--- a/2013180052 양형배 2DGamePrograming - 기획.pptx
+++ b/2013180052 양형배 2DGamePrograming - 기획.pptx
@@ -123,7 +123,7 @@
   </p:defaultTextStyle>
   <p:extLst>
     <p:ext uri="{EFAFB233-063F-42B5-8137-9DF3F51BA10A}">
-      <p15:sldGuideLst xmlns:p15="http://schemas.microsoft.com/office/powerpoint/2012/main" xmlns="">
+      <p15:sldGuideLst xmlns="" xmlns:p15="http://schemas.microsoft.com/office/powerpoint/2012/main">
         <p15:guide id="1" orient="horz" pos="2092" userDrawn="1">
           <p15:clr>
             <a:srgbClr val="A4A3A4"/>
@@ -1089,7 +1089,7 @@
             <a:fld id="{4390BB7C-ED8A-4757-AD83-71D1217BD5FA}" type="datetimeFigureOut">
               <a:rPr lang="ko-KR" altLang="en-US" smtClean="0"/>
               <a:pPr/>
-              <a:t>2016-09-20</a:t>
+              <a:t>2016-10-18</a:t>
             </a:fld>
             <a:endParaRPr lang="ko-KR" altLang="en-US"/>
           </a:p>
@@ -1189,7 +1189,7 @@
     </p:spTree>
     <p:extLst>
       <p:ext uri="{BB962C8B-B14F-4D97-AF65-F5344CB8AC3E}">
-        <p14:creationId xmlns="" xmlns:p14="http://schemas.microsoft.com/office/powerpoint/2010/main" val="2415429535"/>
+        <p14:creationId xmlns:p14="http://schemas.microsoft.com/office/powerpoint/2010/main" xmlns="" val="2415429535"/>
       </p:ext>
     </p:extLst>
   </p:cSld>
@@ -1316,7 +1316,7 @@
             <a:fld id="{4390BB7C-ED8A-4757-AD83-71D1217BD5FA}" type="datetimeFigureOut">
               <a:rPr lang="ko-KR" altLang="en-US" smtClean="0"/>
               <a:pPr/>
-              <a:t>2016-09-20</a:t>
+              <a:t>2016-10-18</a:t>
             </a:fld>
             <a:endParaRPr lang="ko-KR" altLang="en-US"/>
           </a:p>
@@ -1368,7 +1368,7 @@
     </p:spTree>
     <p:extLst>
       <p:ext uri="{BB962C8B-B14F-4D97-AF65-F5344CB8AC3E}">
-        <p14:creationId xmlns="" xmlns:p14="http://schemas.microsoft.com/office/powerpoint/2010/main" val="1309691450"/>
+        <p14:creationId xmlns:p14="http://schemas.microsoft.com/office/powerpoint/2010/main" xmlns="" val="1309691450"/>
       </p:ext>
     </p:extLst>
   </p:cSld>
@@ -1498,7 +1498,7 @@
             <a:fld id="{4390BB7C-ED8A-4757-AD83-71D1217BD5FA}" type="datetimeFigureOut">
               <a:rPr lang="ko-KR" altLang="en-US" smtClean="0"/>
               <a:pPr/>
-              <a:t>2016-09-20</a:t>
+              <a:t>2016-10-18</a:t>
             </a:fld>
             <a:endParaRPr lang="ko-KR" altLang="en-US"/>
           </a:p>
@@ -1550,7 +1550,7 @@
     </p:spTree>
     <p:extLst>
       <p:ext uri="{BB962C8B-B14F-4D97-AF65-F5344CB8AC3E}">
-        <p14:creationId xmlns="" xmlns:p14="http://schemas.microsoft.com/office/powerpoint/2010/main" val="3085174749"/>
+        <p14:creationId xmlns:p14="http://schemas.microsoft.com/office/powerpoint/2010/main" xmlns="" val="3085174749"/>
       </p:ext>
     </p:extLst>
   </p:cSld>
@@ -1670,7 +1670,7 @@
             <a:fld id="{4390BB7C-ED8A-4757-AD83-71D1217BD5FA}" type="datetimeFigureOut">
               <a:rPr lang="ko-KR" altLang="en-US" smtClean="0"/>
               <a:pPr/>
-              <a:t>2016-09-20</a:t>
+              <a:t>2016-10-18</a:t>
             </a:fld>
             <a:endParaRPr lang="ko-KR" altLang="en-US"/>
           </a:p>
@@ -1722,7 +1722,7 @@
     </p:spTree>
     <p:extLst>
       <p:ext uri="{BB962C8B-B14F-4D97-AF65-F5344CB8AC3E}">
-        <p14:creationId xmlns="" xmlns:p14="http://schemas.microsoft.com/office/powerpoint/2010/main" val="1405795616"/>
+        <p14:creationId xmlns:p14="http://schemas.microsoft.com/office/powerpoint/2010/main" xmlns="" val="1405795616"/>
       </p:ext>
     </p:extLst>
   </p:cSld>
@@ -1918,7 +1918,7 @@
             <a:fld id="{4390BB7C-ED8A-4757-AD83-71D1217BD5FA}" type="datetimeFigureOut">
               <a:rPr lang="ko-KR" altLang="en-US" smtClean="0"/>
               <a:pPr/>
-              <a:t>2016-09-20</a:t>
+              <a:t>2016-10-18</a:t>
             </a:fld>
             <a:endParaRPr lang="ko-KR" altLang="en-US"/>
           </a:p>
@@ -1970,7 +1970,7 @@
     </p:spTree>
     <p:extLst>
       <p:ext uri="{BB962C8B-B14F-4D97-AF65-F5344CB8AC3E}">
-        <p14:creationId xmlns="" xmlns:p14="http://schemas.microsoft.com/office/powerpoint/2010/main" val="707904313"/>
+        <p14:creationId xmlns:p14="http://schemas.microsoft.com/office/powerpoint/2010/main" xmlns="" val="707904313"/>
       </p:ext>
     </p:extLst>
   </p:cSld>
@@ -2152,7 +2152,7 @@
             <a:fld id="{4390BB7C-ED8A-4757-AD83-71D1217BD5FA}" type="datetimeFigureOut">
               <a:rPr lang="ko-KR" altLang="en-US" smtClean="0"/>
               <a:pPr/>
-              <a:t>2016-09-20</a:t>
+              <a:t>2016-10-18</a:t>
             </a:fld>
             <a:endParaRPr lang="ko-KR" altLang="en-US"/>
           </a:p>
@@ -2204,7 +2204,7 @@
     </p:spTree>
     <p:extLst>
       <p:ext uri="{BB962C8B-B14F-4D97-AF65-F5344CB8AC3E}">
-        <p14:creationId xmlns="" xmlns:p14="http://schemas.microsoft.com/office/powerpoint/2010/main" val="684451757"/>
+        <p14:creationId xmlns:p14="http://schemas.microsoft.com/office/powerpoint/2010/main" xmlns="" val="684451757"/>
       </p:ext>
     </p:extLst>
   </p:cSld>
@@ -2521,7 +2521,7 @@
             <a:fld id="{4390BB7C-ED8A-4757-AD83-71D1217BD5FA}" type="datetimeFigureOut">
               <a:rPr lang="ko-KR" altLang="en-US" smtClean="0"/>
               <a:pPr/>
-              <a:t>2016-09-20</a:t>
+              <a:t>2016-10-18</a:t>
             </a:fld>
             <a:endParaRPr lang="ko-KR" altLang="en-US"/>
           </a:p>
@@ -2573,7 +2573,7 @@
     </p:spTree>
     <p:extLst>
       <p:ext uri="{BB962C8B-B14F-4D97-AF65-F5344CB8AC3E}">
-        <p14:creationId xmlns="" xmlns:p14="http://schemas.microsoft.com/office/powerpoint/2010/main" val="1555783249"/>
+        <p14:creationId xmlns:p14="http://schemas.microsoft.com/office/powerpoint/2010/main" xmlns="" val="1555783249"/>
       </p:ext>
     </p:extLst>
   </p:cSld>
@@ -2641,7 +2641,7 @@
             <a:fld id="{4390BB7C-ED8A-4757-AD83-71D1217BD5FA}" type="datetimeFigureOut">
               <a:rPr lang="ko-KR" altLang="en-US" smtClean="0"/>
               <a:pPr/>
-              <a:t>2016-09-20</a:t>
+              <a:t>2016-10-18</a:t>
             </a:fld>
             <a:endParaRPr lang="ko-KR" altLang="en-US"/>
           </a:p>
@@ -2693,7 +2693,7 @@
     </p:spTree>
     <p:extLst>
       <p:ext uri="{BB962C8B-B14F-4D97-AF65-F5344CB8AC3E}">
-        <p14:creationId xmlns="" xmlns:p14="http://schemas.microsoft.com/office/powerpoint/2010/main" val="1722879836"/>
+        <p14:creationId xmlns:p14="http://schemas.microsoft.com/office/powerpoint/2010/main" xmlns="" val="1722879836"/>
       </p:ext>
     </p:extLst>
   </p:cSld>
@@ -2738,7 +2738,7 @@
             <a:fld id="{4390BB7C-ED8A-4757-AD83-71D1217BD5FA}" type="datetimeFigureOut">
               <a:rPr lang="ko-KR" altLang="en-US" smtClean="0"/>
               <a:pPr/>
-              <a:t>2016-09-20</a:t>
+              <a:t>2016-10-18</a:t>
             </a:fld>
             <a:endParaRPr lang="ko-KR" altLang="en-US"/>
           </a:p>
@@ -2790,7 +2790,7 @@
     </p:spTree>
     <p:extLst>
       <p:ext uri="{BB962C8B-B14F-4D97-AF65-F5344CB8AC3E}">
-        <p14:creationId xmlns="" xmlns:p14="http://schemas.microsoft.com/office/powerpoint/2010/main" val="3787324463"/>
+        <p14:creationId xmlns:p14="http://schemas.microsoft.com/office/powerpoint/2010/main" xmlns="" val="3787324463"/>
       </p:ext>
     </p:extLst>
   </p:cSld>
@@ -3017,7 +3017,7 @@
             <a:fld id="{4390BB7C-ED8A-4757-AD83-71D1217BD5FA}" type="datetimeFigureOut">
               <a:rPr lang="ko-KR" altLang="en-US" smtClean="0"/>
               <a:pPr/>
-              <a:t>2016-09-20</a:t>
+              <a:t>2016-10-18</a:t>
             </a:fld>
             <a:endParaRPr lang="ko-KR" altLang="en-US"/>
           </a:p>
@@ -3069,7 +3069,7 @@
     </p:spTree>
     <p:extLst>
       <p:ext uri="{BB962C8B-B14F-4D97-AF65-F5344CB8AC3E}">
-        <p14:creationId xmlns="" xmlns:p14="http://schemas.microsoft.com/office/powerpoint/2010/main" val="3949220981"/>
+        <p14:creationId xmlns:p14="http://schemas.microsoft.com/office/powerpoint/2010/main" xmlns="" val="3949220981"/>
       </p:ext>
     </p:extLst>
   </p:cSld>
@@ -3272,7 +3272,7 @@
             <a:fld id="{4390BB7C-ED8A-4757-AD83-71D1217BD5FA}" type="datetimeFigureOut">
               <a:rPr lang="ko-KR" altLang="en-US" smtClean="0"/>
               <a:pPr/>
-              <a:t>2016-09-20</a:t>
+              <a:t>2016-10-18</a:t>
             </a:fld>
             <a:endParaRPr lang="ko-KR" altLang="en-US"/>
           </a:p>
@@ -3324,7 +3324,7 @@
     </p:spTree>
     <p:extLst>
       <p:ext uri="{BB962C8B-B14F-4D97-AF65-F5344CB8AC3E}">
-        <p14:creationId xmlns="" xmlns:p14="http://schemas.microsoft.com/office/powerpoint/2010/main" val="2811218270"/>
+        <p14:creationId xmlns:p14="http://schemas.microsoft.com/office/powerpoint/2010/main" xmlns="" val="2811218270"/>
       </p:ext>
     </p:extLst>
   </p:cSld>
@@ -3487,7 +3487,7 @@
             <a:fld id="{4390BB7C-ED8A-4757-AD83-71D1217BD5FA}" type="datetimeFigureOut">
               <a:rPr lang="ko-KR" altLang="en-US" smtClean="0"/>
               <a:pPr/>
-              <a:t>2016-09-20</a:t>
+              <a:t>2016-10-18</a:t>
             </a:fld>
             <a:endParaRPr lang="ko-KR" altLang="en-US"/>
           </a:p>
@@ -3575,7 +3575,7 @@
     </p:spTree>
     <p:extLst>
       <p:ext uri="{BB962C8B-B14F-4D97-AF65-F5344CB8AC3E}">
-        <p14:creationId xmlns="" xmlns:p14="http://schemas.microsoft.com/office/powerpoint/2010/main" val="4185750425"/>
+        <p14:creationId xmlns:p14="http://schemas.microsoft.com/office/powerpoint/2010/main" xmlns="" val="4185750425"/>
       </p:ext>
     </p:extLst>
   </p:cSld>
@@ -4168,7 +4168,7 @@
     </p:spTree>
     <p:extLst>
       <p:ext uri="{BB962C8B-B14F-4D97-AF65-F5344CB8AC3E}">
-        <p14:creationId xmlns="" xmlns:p14="http://schemas.microsoft.com/office/powerpoint/2010/main" val="3783322303"/>
+        <p14:creationId xmlns:p14="http://schemas.microsoft.com/office/powerpoint/2010/main" xmlns="" val="3783322303"/>
       </p:ext>
     </p:extLst>
   </p:cSld>
@@ -4176,7 +4176,7 @@
     <a:masterClrMapping/>
   </p:clrMapOvr>
   <mc:AlternateContent xmlns:mc="http://schemas.openxmlformats.org/markup-compatibility/2006">
-    <mc:Choice xmlns="" xmlns:p14="http://schemas.microsoft.com/office/powerpoint/2010/main" Requires="p14">
+    <mc:Choice xmlns:p14="http://schemas.microsoft.com/office/powerpoint/2010/main" xmlns="" Requires="p14">
       <p:transition p14:dur="250">
         <p:wipe/>
       </p:transition>
@@ -4613,7 +4613,11 @@
                       <a:pPr algn="ctr" latinLnBrk="1"/>
                       <a:r>
                         <a:rPr lang="ko-KR" altLang="en-US" sz="1500" dirty="0" smtClean="0"/>
-                        <a:t>아군과 적군의 비행기의 </a:t>
+                        <a:t>아군의 </a:t>
+                      </a:r>
+                      <a:r>
+                        <a:rPr lang="ko-KR" altLang="en-US" sz="1500" dirty="0" smtClean="0"/>
+                        <a:t>비행기의 </a:t>
                       </a:r>
                       <a:r>
                         <a:rPr lang="ko-KR" altLang="en-US" sz="1500" dirty="0" err="1" smtClean="0"/>
@@ -5273,7 +5277,7 @@
     </p:spTree>
     <p:extLst>
       <p:ext uri="{BB962C8B-B14F-4D97-AF65-F5344CB8AC3E}">
-        <p14:creationId xmlns="" xmlns:p14="http://schemas.microsoft.com/office/powerpoint/2010/main" val="1985802403"/>
+        <p14:creationId xmlns:p14="http://schemas.microsoft.com/office/powerpoint/2010/main" xmlns="" val="1985802403"/>
       </p:ext>
     </p:extLst>
   </p:cSld>
@@ -5281,7 +5285,7 @@
     <a:masterClrMapping/>
   </p:clrMapOvr>
   <mc:AlternateContent xmlns:mc="http://schemas.openxmlformats.org/markup-compatibility/2006">
-    <mc:Choice xmlns="" xmlns:p14="http://schemas.microsoft.com/office/powerpoint/2010/main" Requires="p14">
+    <mc:Choice xmlns:p14="http://schemas.microsoft.com/office/powerpoint/2010/main" xmlns="" Requires="p14">
       <p:transition p14:dur="250">
         <p:wipe/>
       </p:transition>
@@ -5571,7 +5575,7 @@
     </p:spTree>
     <p:extLst>
       <p:ext uri="{BB962C8B-B14F-4D97-AF65-F5344CB8AC3E}">
-        <p14:creationId xmlns="" xmlns:p14="http://schemas.microsoft.com/office/powerpoint/2010/main" val="2538287590"/>
+        <p14:creationId xmlns:p14="http://schemas.microsoft.com/office/powerpoint/2010/main" xmlns="" val="2538287590"/>
       </p:ext>
     </p:extLst>
   </p:cSld>
@@ -5579,7 +5583,7 @@
     <a:masterClrMapping/>
   </p:clrMapOvr>
   <mc:AlternateContent xmlns:mc="http://schemas.openxmlformats.org/markup-compatibility/2006">
-    <mc:Choice xmlns="" xmlns:p14="http://schemas.microsoft.com/office/powerpoint/2010/main" Requires="p14">
+    <mc:Choice xmlns:p14="http://schemas.microsoft.com/office/powerpoint/2010/main" xmlns="" Requires="p14">
       <p:transition p14:dur="250">
         <p:wipe/>
       </p:transition>
@@ -6403,7 +6407,7 @@
     </p:spTree>
     <p:extLst>
       <p:ext uri="{BB962C8B-B14F-4D97-AF65-F5344CB8AC3E}">
-        <p14:creationId xmlns="" xmlns:p14="http://schemas.microsoft.com/office/powerpoint/2010/main" val="2584695231"/>
+        <p14:creationId xmlns:p14="http://schemas.microsoft.com/office/powerpoint/2010/main" xmlns="" val="2584695231"/>
       </p:ext>
     </p:extLst>
   </p:cSld>
@@ -6411,7 +6415,7 @@
     <a:masterClrMapping/>
   </p:clrMapOvr>
   <mc:AlternateContent xmlns:mc="http://schemas.openxmlformats.org/markup-compatibility/2006">
-    <mc:Choice xmlns="" xmlns:p14="http://schemas.microsoft.com/office/powerpoint/2010/main" Requires="p14">
+    <mc:Choice xmlns:p14="http://schemas.microsoft.com/office/powerpoint/2010/main" xmlns="" Requires="p14">
       <p:transition p14:dur="250">
         <p:wipe/>
       </p:transition>
@@ -6863,7 +6867,7 @@
     </p:spTree>
     <p:extLst>
       <p:ext uri="{BB962C8B-B14F-4D97-AF65-F5344CB8AC3E}">
-        <p14:creationId xmlns="" xmlns:p14="http://schemas.microsoft.com/office/powerpoint/2010/main" val="4081630147"/>
+        <p14:creationId xmlns:p14="http://schemas.microsoft.com/office/powerpoint/2010/main" xmlns="" val="4081630147"/>
       </p:ext>
     </p:extLst>
   </p:cSld>
@@ -6871,7 +6875,7 @@
     <a:masterClrMapping/>
   </p:clrMapOvr>
   <mc:AlternateContent xmlns:mc="http://schemas.openxmlformats.org/markup-compatibility/2006">
-    <mc:Choice xmlns="" xmlns:p14="http://schemas.microsoft.com/office/powerpoint/2010/main" Requires="p14">
+    <mc:Choice xmlns:p14="http://schemas.microsoft.com/office/powerpoint/2010/main" xmlns="" Requires="p14">
       <p:transition p14:dur="250">
         <p:wipe/>
       </p:transition>
@@ -7625,7 +7629,7 @@
     </p:spTree>
     <p:extLst>
       <p:ext uri="{BB962C8B-B14F-4D97-AF65-F5344CB8AC3E}">
-        <p14:creationId xmlns="" xmlns:p14="http://schemas.microsoft.com/office/powerpoint/2010/main" val="3355478631"/>
+        <p14:creationId xmlns:p14="http://schemas.microsoft.com/office/powerpoint/2010/main" xmlns="" val="3355478631"/>
       </p:ext>
     </p:extLst>
   </p:cSld>
@@ -7633,7 +7637,7 @@
     <a:masterClrMapping/>
   </p:clrMapOvr>
   <mc:AlternateContent xmlns:mc="http://schemas.openxmlformats.org/markup-compatibility/2006">
-    <mc:Choice xmlns="" xmlns:p14="http://schemas.microsoft.com/office/powerpoint/2010/main" Requires="p14">
+    <mc:Choice xmlns:p14="http://schemas.microsoft.com/office/powerpoint/2010/main" xmlns="" Requires="p14">
       <p:transition p14:dur="250">
         <p:wipe/>
       </p:transition>
@@ -8053,7 +8057,7 @@
     </p:spTree>
     <p:extLst>
       <p:ext uri="{BB962C8B-B14F-4D97-AF65-F5344CB8AC3E}">
-        <p14:creationId xmlns="" xmlns:p14="http://schemas.microsoft.com/office/powerpoint/2010/main" val="2769533078"/>
+        <p14:creationId xmlns:p14="http://schemas.microsoft.com/office/powerpoint/2010/main" xmlns="" val="2769533078"/>
       </p:ext>
     </p:extLst>
   </p:cSld>
@@ -8061,7 +8065,7 @@
     <a:masterClrMapping/>
   </p:clrMapOvr>
   <mc:AlternateContent xmlns:mc="http://schemas.openxmlformats.org/markup-compatibility/2006">
-    <mc:Choice xmlns="" xmlns:p14="http://schemas.microsoft.com/office/powerpoint/2010/main" Requires="p14">
+    <mc:Choice xmlns:p14="http://schemas.microsoft.com/office/powerpoint/2010/main" xmlns="" Requires="p14">
       <p:transition p14:dur="250">
         <p:wipe/>
       </p:transition>
@@ -8378,7 +8382,7 @@
           <a:noFill/>
           <a:extLst>
             <a:ext uri="{909E8E84-426E-40DD-AFC4-6F175D3DCCD1}">
-              <a14:hiddenFill xmlns="" xmlns:a14="http://schemas.microsoft.com/office/drawing/2010/main">
+              <a14:hiddenFill xmlns:a14="http://schemas.microsoft.com/office/drawing/2010/main" xmlns="">
                 <a:solidFill>
                   <a:srgbClr val="FFFFFF"/>
                 </a:solidFill>
@@ -8417,7 +8421,7 @@
           <a:noFill/>
           <a:extLst>
             <a:ext uri="{909E8E84-426E-40DD-AFC4-6F175D3DCCD1}">
-              <a14:hiddenFill xmlns="" xmlns:a14="http://schemas.microsoft.com/office/drawing/2010/main">
+              <a14:hiddenFill xmlns:a14="http://schemas.microsoft.com/office/drawing/2010/main" xmlns="">
                 <a:solidFill>
                   <a:srgbClr val="FFFFFF"/>
                 </a:solidFill>
@@ -9105,7 +9109,7 @@
     </p:spTree>
     <p:extLst>
       <p:ext uri="{BB962C8B-B14F-4D97-AF65-F5344CB8AC3E}">
-        <p14:creationId xmlns="" xmlns:p14="http://schemas.microsoft.com/office/powerpoint/2010/main" val="4271637704"/>
+        <p14:creationId xmlns:p14="http://schemas.microsoft.com/office/powerpoint/2010/main" xmlns="" val="4271637704"/>
       </p:ext>
     </p:extLst>
   </p:cSld>
@@ -9113,7 +9117,7 @@
     <a:masterClrMapping/>
   </p:clrMapOvr>
   <mc:AlternateContent xmlns:mc="http://schemas.openxmlformats.org/markup-compatibility/2006">
-    <mc:Choice xmlns="" xmlns:p14="http://schemas.microsoft.com/office/powerpoint/2010/main" Requires="p14">
+    <mc:Choice xmlns:p14="http://schemas.microsoft.com/office/powerpoint/2010/main" xmlns="" Requires="p14">
       <p:transition p14:dur="250">
         <p:wipe/>
       </p:transition>
@@ -9444,7 +9448,7 @@
           <a:noFill/>
           <a:extLst>
             <a:ext uri="{909E8E84-426E-40DD-AFC4-6F175D3DCCD1}">
-              <a14:hiddenFill xmlns="" xmlns:a14="http://schemas.microsoft.com/office/drawing/2010/main">
+              <a14:hiddenFill xmlns:a14="http://schemas.microsoft.com/office/drawing/2010/main" xmlns="">
                 <a:solidFill>
                   <a:srgbClr val="FFFFFF"/>
                 </a:solidFill>
@@ -9483,7 +9487,7 @@
           <a:noFill/>
           <a:extLst>
             <a:ext uri="{909E8E84-426E-40DD-AFC4-6F175D3DCCD1}">
-              <a14:hiddenFill xmlns="" xmlns:a14="http://schemas.microsoft.com/office/drawing/2010/main">
+              <a14:hiddenFill xmlns:a14="http://schemas.microsoft.com/office/drawing/2010/main" xmlns="">
                 <a:solidFill>
                   <a:srgbClr val="FFFFFF"/>
                 </a:solidFill>
@@ -10625,7 +10629,7 @@
     </p:spTree>
     <p:extLst>
       <p:ext uri="{BB962C8B-B14F-4D97-AF65-F5344CB8AC3E}">
-        <p14:creationId xmlns="" xmlns:p14="http://schemas.microsoft.com/office/powerpoint/2010/main" val="3055204697"/>
+        <p14:creationId xmlns:p14="http://schemas.microsoft.com/office/powerpoint/2010/main" xmlns="" val="3055204697"/>
       </p:ext>
     </p:extLst>
   </p:cSld>
@@ -10633,7 +10637,7 @@
     <a:masterClrMapping/>
   </p:clrMapOvr>
   <mc:AlternateContent xmlns:mc="http://schemas.openxmlformats.org/markup-compatibility/2006">
-    <mc:Choice xmlns="" xmlns:p14="http://schemas.microsoft.com/office/powerpoint/2010/main" Requires="p14">
+    <mc:Choice xmlns:p14="http://schemas.microsoft.com/office/powerpoint/2010/main" xmlns="" Requires="p14">
       <p:transition p14:dur="250">
         <p:wipe/>
       </p:transition>
@@ -10938,7 +10942,7 @@
           <a:blip r:embed="rId2" cstate="print">
             <a:extLst>
               <a:ext uri="{BEBA8EAE-BF5A-486C-A8C5-ECC9F3942E4B}">
-                <a14:imgProps xmlns="" xmlns:a14="http://schemas.microsoft.com/office/drawing/2010/main">
+                <a14:imgProps xmlns:a14="http://schemas.microsoft.com/office/drawing/2010/main" xmlns="">
                   <a14:imgLayer r:embed="rId3">
                     <a14:imgEffect>
                       <a14:backgroundRemoval t="0" b="100000" l="0" r="100000"/>
@@ -10947,7 +10951,7 @@
                 </a14:imgProps>
               </a:ext>
               <a:ext uri="{28A0092B-C50C-407E-A947-70E740481C1C}">
-                <a14:useLocalDpi xmlns="" xmlns:a14="http://schemas.microsoft.com/office/drawing/2010/main" val="0"/>
+                <a14:useLocalDpi xmlns:a14="http://schemas.microsoft.com/office/drawing/2010/main" xmlns="" val="0"/>
               </a:ext>
             </a:extLst>
           </a:blip>
@@ -10971,14 +10975,14 @@
           <a:effectLst/>
           <a:extLst>
             <a:ext uri="{909E8E84-426E-40DD-AFC4-6F175D3DCCD1}">
-              <a14:hiddenFill xmlns="" xmlns:a14="http://schemas.microsoft.com/office/drawing/2010/main">
+              <a14:hiddenFill xmlns:a14="http://schemas.microsoft.com/office/drawing/2010/main" xmlns="">
                 <a:solidFill>
                   <a:schemeClr val="accent1"/>
                 </a:solidFill>
               </a14:hiddenFill>
             </a:ext>
             <a:ext uri="{91240B29-F687-4F45-9708-019B960494DF}">
-              <a14:hiddenLine xmlns="" xmlns:a14="http://schemas.microsoft.com/office/drawing/2010/main" w="9525">
+              <a14:hiddenLine xmlns:a14="http://schemas.microsoft.com/office/drawing/2010/main" xmlns="" w="9525">
                 <a:solidFill>
                   <a:schemeClr val="tx1"/>
                 </a:solidFill>
@@ -10988,7 +10992,7 @@
               </a14:hiddenLine>
             </a:ext>
             <a:ext uri="{AF507438-7753-43E0-B8FC-AC1667EBCBE1}">
-              <a14:hiddenEffects xmlns="" xmlns:a14="http://schemas.microsoft.com/office/drawing/2010/main">
+              <a14:hiddenEffects xmlns:a14="http://schemas.microsoft.com/office/drawing/2010/main" xmlns="">
                 <a:effectLst>
                   <a:outerShdw dist="35921" dir="2700000" algn="ctr" rotWithShape="0">
                     <a:schemeClr val="bg2"/>
@@ -11002,7 +11006,7 @@
     </p:spTree>
     <p:extLst>
       <p:ext uri="{BB962C8B-B14F-4D97-AF65-F5344CB8AC3E}">
-        <p14:creationId xmlns="" xmlns:p14="http://schemas.microsoft.com/office/powerpoint/2010/main" val="2189943551"/>
+        <p14:creationId xmlns:p14="http://schemas.microsoft.com/office/powerpoint/2010/main" xmlns="" val="2189943551"/>
       </p:ext>
     </p:extLst>
   </p:cSld>
@@ -11010,7 +11014,7 @@
     <a:masterClrMapping/>
   </p:clrMapOvr>
   <mc:AlternateContent xmlns:mc="http://schemas.openxmlformats.org/markup-compatibility/2006">
-    <mc:Choice xmlns="" xmlns:p14="http://schemas.microsoft.com/office/powerpoint/2010/main" Requires="p14">
+    <mc:Choice xmlns:p14="http://schemas.microsoft.com/office/powerpoint/2010/main" xmlns="" Requires="p14">
       <p:transition p14:dur="250">
         <p:wipe/>
       </p:transition>
@@ -11259,7 +11263,7 @@
           <p:nvPr>
             <p:extLst>
               <p:ext uri="{D42A27DB-BD31-4B8C-83A1-F6EECF244321}">
-                <p14:modId xmlns="" xmlns:p14="http://schemas.microsoft.com/office/powerpoint/2010/main" val="4281159862"/>
+                <p14:modId xmlns:p14="http://schemas.microsoft.com/office/powerpoint/2010/main" xmlns="" val="4281159862"/>
               </p:ext>
             </p:extLst>
           </p:nvPr>
@@ -12946,7 +12950,7 @@
     </p:spTree>
     <p:extLst>
       <p:ext uri="{BB962C8B-B14F-4D97-AF65-F5344CB8AC3E}">
-        <p14:creationId xmlns="" xmlns:p14="http://schemas.microsoft.com/office/powerpoint/2010/main" val="3454128445"/>
+        <p14:creationId xmlns:p14="http://schemas.microsoft.com/office/powerpoint/2010/main" xmlns="" val="3454128445"/>
       </p:ext>
     </p:extLst>
   </p:cSld>
@@ -12954,7 +12958,7 @@
     <a:masterClrMapping/>
   </p:clrMapOvr>
   <mc:AlternateContent xmlns:mc="http://schemas.openxmlformats.org/markup-compatibility/2006">
-    <mc:Choice xmlns="" xmlns:p14="http://schemas.microsoft.com/office/powerpoint/2010/main" Requires="p14">
+    <mc:Choice xmlns:p14="http://schemas.microsoft.com/office/powerpoint/2010/main" xmlns="" Requires="p14">
       <p:transition p14:dur="250">
         <p:wipe/>
       </p:transition>
@@ -13230,7 +13234,7 @@
   <a:extraClrSchemeLst/>
   <a:extLst>
     <a:ext uri="{05A4C25C-085E-4340-85A3-A5531E510DB2}">
-      <thm15:themeFamily xmlns:thm15="http://schemas.microsoft.com/office/thememl/2012/main" xmlns="" name="Office Theme" id="{62F939B6-93AF-4DB8-9C6B-D6C7DFDC589F}" vid="{4A3C46E8-61CC-4603-A589-7422A47A8E4A}"/>
+      <thm15:themeFamily xmlns="" xmlns:thm15="http://schemas.microsoft.com/office/thememl/2012/main" name="Office Theme" id="{62F939B6-93AF-4DB8-9C6B-D6C7DFDC589F}" vid="{4A3C46E8-61CC-4603-A589-7422A47A8E4A}"/>
     </a:ext>
   </a:extLst>
 </a:theme>
